--- a/Tema3/Tema3-Presentacion.pptx
+++ b/Tema3/Tema3-Presentacion.pptx
@@ -14,6 +14,7 @@
     <p:sldId id="259" r:id="rId11"/>
     <p:sldId id="260" r:id="rId12"/>
     <p:sldId id="261" r:id="rId13"/>
+    <p:sldId id="262" r:id="rId14"/>
   </p:sldIdLst>
   <p:sldSz cx="13004800" cy="9753600"/>
   <p:notesSz cx="6858000" cy="9144000"/>
@@ -1001,6 +1002,100 @@
             <a:pPr/>
             <a:r>
               <a:t>A tener en cuenta las propiedades background-image y background-repeat.</a:t>
+            </a:r>
+          </a:p>
+        </p:txBody>
+      </p:sp>
+    </p:spTree>
+  </p:cSld>
+  <p:clrMapOvr>
+    <a:masterClrMapping/>
+  </p:clrMapOvr>
+</p:notes>
+</file>
+
+<file path=ppt/notesSlides/notesSlide7.xml><?xml version="1.0" encoding="utf-8"?>
+<p:notes xmlns:a="http://schemas.openxmlformats.org/drawingml/2006/main" xmlns:r="http://schemas.openxmlformats.org/officeDocument/2006/relationships" xmlns:p="http://schemas.openxmlformats.org/presentationml/2006/main" showMasterSp="1" showMasterPhAnim="1">
+  <p:cSld>
+    <p:spTree>
+      <p:nvGrpSpPr>
+        <p:cNvPr id="1" name=""/>
+        <p:cNvGrpSpPr/>
+        <p:nvPr/>
+      </p:nvGrpSpPr>
+      <p:grpSpPr>
+        <a:xfrm>
+          <a:off x="0" y="0"/>
+          <a:ext cx="0" cy="0"/>
+          <a:chOff x="0" y="0"/>
+          <a:chExt cx="0" cy="0"/>
+        </a:xfrm>
+      </p:grpSpPr>
+      <p:sp>
+        <p:nvSpPr>
+          <p:cNvPr id="151" name="Shape 151"/>
+          <p:cNvSpPr/>
+          <p:nvPr>
+            <p:ph type="sldImg"/>
+          </p:nvPr>
+        </p:nvSpPr>
+        <p:spPr>
+          <a:prstGeom prst="rect">
+            <a:avLst/>
+          </a:prstGeom>
+        </p:spPr>
+        <p:txBody>
+          <a:bodyPr/>
+          <a:lstStyle/>
+          <a:p>
+            <a:pPr/>
+          </a:p>
+        </p:txBody>
+      </p:sp>
+      <p:sp>
+        <p:nvSpPr>
+          <p:cNvPr id="152" name="Shape 152"/>
+          <p:cNvSpPr/>
+          <p:nvPr>
+            <p:ph type="body" sz="quarter" idx="1"/>
+          </p:nvPr>
+        </p:nvSpPr>
+        <p:spPr>
+          <a:prstGeom prst="rect">
+            <a:avLst/>
+          </a:prstGeom>
+        </p:spPr>
+        <p:txBody>
+          <a:bodyPr/>
+          <a:lstStyle/>
+          <a:p>
+            <a:pPr/>
+            <a:r>
+              <a:t>A día de hoy existe una multitud de dispositivos con diferentes resoluciones.</a:t>
+            </a:r>
+          </a:p>
+          <a:p>
+            <a:pPr/>
+            <a:r>
+              <a:t>Nuestras páginas web se tienen que ver correctamente tanto en pantallas de ordenador como en dispositivos móviles.</a:t>
+            </a:r>
+          </a:p>
+          <a:p>
+            <a:pPr/>
+            <a:r>
+              <a:t>El consumo móvil crece. ¡Mobile first!</a:t>
+            </a:r>
+          </a:p>
+          <a:p>
+            <a:pPr/>
+            <a:r>
+              <a:t>Debemos adaptar el contenido a cualquier pantalla. CSS apuesta por las Media Queries.</a:t>
+            </a:r>
+          </a:p>
+          <a:p>
+            <a:pPr/>
+            <a:r>
+              <a:t>Las Media Queries son reglas basadas en resoluciones.</a:t>
             </a:r>
           </a:p>
         </p:txBody>
@@ -3596,6 +3691,16 @@
               <a:t>Imágenes en CSS</a:t>
             </a:r>
           </a:p>
+          <a:p>
+            <a:pPr lvl="1" marL="457200" indent="-228600" algn="l">
+              <a:buSzPct val="100000"/>
+              <a:buChar char="•"/>
+              <a:defRPr sz="4800"/>
+            </a:pPr>
+            <a:r>
+              <a:t>Media Queries</a:t>
+            </a:r>
+          </a:p>
         </p:txBody>
       </p:sp>
     </p:spTree>
@@ -4232,6 +4337,162 @@
             </a:r>
             <a:r>
               <a:t>: no-repeat;</a:t>
+            </a:r>
+          </a:p>
+        </p:txBody>
+      </p:sp>
+    </p:spTree>
+  </p:cSld>
+  <p:clrMapOvr>
+    <a:masterClrMapping/>
+  </p:clrMapOvr>
+  <p:transition xmlns:p14="http://schemas.microsoft.com/office/powerpoint/2010/main" spd="med" advClick="1" p14:dur="1000"/>
+</p:sld>
+</file>
+
+<file path=ppt/slides/slide7.xml><?xml version="1.0" encoding="utf-8"?>
+<p:sld xmlns:a="http://schemas.openxmlformats.org/drawingml/2006/main" xmlns:r="http://schemas.openxmlformats.org/officeDocument/2006/relationships" xmlns:p="http://schemas.openxmlformats.org/presentationml/2006/main" showMasterSp="1" showMasterPhAnim="1">
+  <p:cSld>
+    <p:spTree>
+      <p:nvGrpSpPr>
+        <p:cNvPr id="1" name=""/>
+        <p:cNvGrpSpPr/>
+        <p:nvPr/>
+      </p:nvGrpSpPr>
+      <p:grpSpPr>
+        <a:xfrm>
+          <a:off x="0" y="0"/>
+          <a:ext cx="0" cy="0"/>
+          <a:chOff x="0" y="0"/>
+          <a:chExt cx="0" cy="0"/>
+        </a:xfrm>
+      </p:grpSpPr>
+      <p:sp>
+        <p:nvSpPr>
+          <p:cNvPr id="149" name="Shape 149"/>
+          <p:cNvSpPr/>
+          <p:nvPr>
+            <p:ph type="ctrTitle"/>
+          </p:nvPr>
+        </p:nvSpPr>
+        <p:spPr>
+          <a:xfrm>
+            <a:off x="1270000" y="584200"/>
+            <a:ext cx="10464800" cy="1327250"/>
+          </a:xfrm>
+          <a:prstGeom prst="rect">
+            <a:avLst/>
+          </a:prstGeom>
+        </p:spPr>
+        <p:txBody>
+          <a:bodyPr/>
+          <a:lstStyle/>
+          <a:p>
+            <a:pPr/>
+            <a:r>
+              <a:t>HTML 5: CSS</a:t>
+            </a:r>
+          </a:p>
+        </p:txBody>
+      </p:sp>
+      <p:sp>
+        <p:nvSpPr>
+          <p:cNvPr id="150" name="Shape 150"/>
+          <p:cNvSpPr/>
+          <p:nvPr>
+            <p:ph type="subTitle" idx="1"/>
+          </p:nvPr>
+        </p:nvSpPr>
+        <p:spPr>
+          <a:xfrm>
+            <a:off x="457200" y="2351583"/>
+            <a:ext cx="11682363" cy="6968035"/>
+          </a:xfrm>
+          <a:prstGeom prst="rect">
+            <a:avLst/>
+          </a:prstGeom>
+        </p:spPr>
+        <p:txBody>
+          <a:bodyPr/>
+          <a:lstStyle/>
+          <a:p>
+            <a:pPr indent="198881" algn="l" defTabSz="508254">
+              <a:defRPr sz="4176"/>
+            </a:pPr>
+            <a:r>
+              <a:t>Media Queries</a:t>
+            </a:r>
+          </a:p>
+          <a:p>
+            <a:pPr marL="596645" indent="-198881" algn="l" defTabSz="508254">
+              <a:buSzPct val="100000"/>
+              <a:buChar char="•"/>
+              <a:defRPr sz="4176"/>
+            </a:pPr>
+            <a:r>
+              <a:t>Multitud de dispositivos con diferentes resoluciones</a:t>
+            </a:r>
+          </a:p>
+          <a:p>
+            <a:pPr marL="596645" indent="-198881" algn="l" defTabSz="508254">
+              <a:buSzPct val="100000"/>
+              <a:buChar char="•"/>
+              <a:defRPr sz="4176"/>
+            </a:pPr>
+            <a:r>
+              <a:t>Auge de consumo móvil</a:t>
+            </a:r>
+          </a:p>
+          <a:p>
+            <a:pPr marL="596645" indent="-198881" algn="l" defTabSz="508254">
+              <a:buSzPct val="100000"/>
+              <a:buChar char="•"/>
+              <a:defRPr sz="4176"/>
+            </a:pPr>
+            <a:r>
+              <a:t>Adaptar el contenido</a:t>
+            </a:r>
+          </a:p>
+          <a:p>
+            <a:pPr marL="596645" indent="-198881" algn="l" defTabSz="508254">
+              <a:buSzPct val="100000"/>
+              <a:buChar char="•"/>
+              <a:defRPr sz="4176"/>
+            </a:pPr>
+            <a:r>
+              <a:t>Solución CSS =&gt; Media Queries</a:t>
+            </a:r>
+          </a:p>
+          <a:p>
+            <a:pPr lvl="3" indent="596645" algn="l" defTabSz="508254">
+              <a:defRPr sz="4176"/>
+            </a:pPr>
+            <a:r>
+              <a:t>/ Móviles en horizontal o tablets en vertical /</a:t>
+            </a:r>
+          </a:p>
+          <a:p>
+            <a:pPr lvl="3" indent="596645" algn="l" defTabSz="508254">
+              <a:defRPr sz="4176"/>
+            </a:pPr>
+            <a:r>
+              <a:t>@media (min-width: 768px) { }</a:t>
+            </a:r>
+          </a:p>
+          <a:p>
+            <a:pPr lvl="3" indent="596645" algn="l" defTabSz="508254">
+              <a:defRPr sz="4176"/>
+            </a:pPr>
+            <a:r>
+              <a:t>/ Tablets en horizonal y escritorios normales /</a:t>
+            </a:r>
+          </a:p>
+          <a:p>
+            <a:pPr lvl="3" indent="596645" algn="l" defTabSz="508254">
+              <a:defRPr sz="4176"/>
+            </a:pPr>
+            <a:r>
+              <a:t>@media (min-width: 1024px) { }</a:t>
             </a:r>
           </a:p>
         </p:txBody>
